--- a/機器學習期中考_林均苔_108B32355.pptx
+++ b/機器學習期中考_林均苔_108B32355.pptx
@@ -10712,6 +10712,79 @@
           </p:txBody>
         </p:sp>
       </p:grpSp>
+      <p:sp>
+        <p:nvSpPr>
+          <p:cNvPr id="9" name="文字方塊 8">
+            <a:extLst>
+              <a:ext uri="{FF2B5EF4-FFF2-40B4-BE49-F238E27FC236}">
+                <a16:creationId xmlns:a16="http://schemas.microsoft.com/office/drawing/2014/main" id="{F147900D-9216-4425-94A7-CE35EDA4684C}"/>
+              </a:ext>
+            </a:extLst>
+          </p:cNvPr>
+          <p:cNvSpPr txBox="1"/>
+          <p:nvPr/>
+        </p:nvSpPr>
+        <p:spPr>
+          <a:xfrm>
+            <a:off x="1590574" y="2720956"/>
+            <a:ext cx="8010626" cy="523220"/>
+          </a:xfrm>
+          <a:prstGeom prst="rect">
+            <a:avLst/>
+          </a:prstGeom>
+          <a:noFill/>
+        </p:spPr>
+        <p:txBody>
+          <a:bodyPr wrap="square">
+            <a:spAutoFit/>
+          </a:bodyPr>
+          <a:lstStyle/>
+          <a:p>
+            <a:r>
+              <a:rPr lang="zh-TW" altLang="en-US" sz="2800" dirty="0">
+                <a:latin typeface="Adobe 繁黑體 Std B" panose="020B0700000000000000" pitchFamily="34" charset="-120"/>
+                <a:ea typeface="Adobe 繁黑體 Std B" panose="020B0700000000000000" pitchFamily="34" charset="-120"/>
+                <a:hlinkClick r:id="rId2"/>
+              </a:rPr>
+              <a:t>https://github.com/tady0725/boston_predict</a:t>
+            </a:r>
+            <a:endParaRPr lang="zh-TW" altLang="en-US" sz="2800" dirty="0">
+              <a:latin typeface="Adobe 繁黑體 Std B" panose="020B0700000000000000" pitchFamily="34" charset="-120"/>
+              <a:ea typeface="Adobe 繁黑體 Std B" panose="020B0700000000000000" pitchFamily="34" charset="-120"/>
+            </a:endParaRPr>
+          </a:p>
+        </p:txBody>
+      </p:sp>
+      <p:pic>
+        <p:nvPicPr>
+          <p:cNvPr id="3" name="圖片 2">
+            <a:extLst>
+              <a:ext uri="{FF2B5EF4-FFF2-40B4-BE49-F238E27FC236}">
+                <a16:creationId xmlns:a16="http://schemas.microsoft.com/office/drawing/2014/main" id="{644E7A66-22D3-4717-B16E-2618D1EF559D}"/>
+              </a:ext>
+            </a:extLst>
+          </p:cNvPr>
+          <p:cNvPicPr>
+            <a:picLocks noChangeAspect="1"/>
+          </p:cNvPicPr>
+          <p:nvPr/>
+        </p:nvPicPr>
+        <p:blipFill>
+          <a:blip r:embed="rId3"/>
+          <a:stretch>
+            <a:fillRect/>
+          </a:stretch>
+        </p:blipFill>
+        <p:spPr>
+          <a:xfrm>
+            <a:off x="9333790" y="3150383"/>
+            <a:ext cx="2143125" cy="2143125"/>
+          </a:xfrm>
+          <a:prstGeom prst="rect">
+            <a:avLst/>
+          </a:prstGeom>
+        </p:spPr>
+      </p:pic>
     </p:spTree>
     <p:extLst>
       <p:ext uri="{BB962C8B-B14F-4D97-AF65-F5344CB8AC3E}">

--- a/機器學習期中考_林均苔_108B32355.pptx
+++ b/機器學習期中考_林均苔_108B32355.pptx
@@ -4429,800 +4429,6 @@
           </p:txBody>
         </p:sp>
       </p:grpSp>
-      <p:sp>
-        <p:nvSpPr>
-          <p:cNvPr id="13" name="文字方塊 12">
-            <a:extLst>
-              <a:ext uri="{FF2B5EF4-FFF2-40B4-BE49-F238E27FC236}">
-                <a16:creationId xmlns:a16="http://schemas.microsoft.com/office/drawing/2014/main" id="{4D717765-E8D6-49BD-AAF2-D9BA230B250C}"/>
-              </a:ext>
-            </a:extLst>
-          </p:cNvPr>
-          <p:cNvSpPr txBox="1"/>
-          <p:nvPr/>
-        </p:nvSpPr>
-        <p:spPr>
-          <a:xfrm>
-            <a:off x="768050" y="1350425"/>
-            <a:ext cx="6303949" cy="6483826"/>
-          </a:xfrm>
-          <a:prstGeom prst="rect">
-            <a:avLst/>
-          </a:prstGeom>
-          <a:noFill/>
-        </p:spPr>
-        <p:txBody>
-          <a:bodyPr wrap="square">
-            <a:spAutoFit/>
-          </a:bodyPr>
-          <a:lstStyle/>
-          <a:p>
-            <a:pPr rtl="0">
-              <a:spcBef>
-                <a:spcPts val="600"/>
-              </a:spcBef>
-              <a:spcAft>
-                <a:spcPts val="0"/>
-              </a:spcAft>
-            </a:pPr>
-            <a:r>
-              <a:rPr lang="en-US" altLang="zh-TW" sz="1800" b="0" i="0" u="none" strike="noStrike" dirty="0">
-                <a:solidFill>
-                  <a:srgbClr val="3D3D3D"/>
-                </a:solidFill>
-                <a:effectLst/>
-                <a:latin typeface="標楷體" panose="03000509000000000000" pitchFamily="65" charset="-120"/>
-                <a:ea typeface="標楷體" panose="03000509000000000000" pitchFamily="65" charset="-120"/>
-              </a:rPr>
-              <a:t>CRIM</a:t>
-            </a:r>
-            <a:r>
-              <a:rPr lang="zh-TW" altLang="en-US" sz="1800" b="0" i="0" u="none" strike="noStrike" dirty="0">
-                <a:solidFill>
-                  <a:srgbClr val="3D3D3D"/>
-                </a:solidFill>
-                <a:effectLst/>
-                <a:latin typeface="標楷體" panose="03000509000000000000" pitchFamily="65" charset="-120"/>
-                <a:ea typeface="標楷體" panose="03000509000000000000" pitchFamily="65" charset="-120"/>
-              </a:rPr>
-              <a:t>：城鎮人均犯罪率。</a:t>
-            </a:r>
-            <a:endParaRPr lang="zh-TW" altLang="en-US" b="0" dirty="0">
-              <a:effectLst/>
-              <a:latin typeface="標楷體" panose="03000509000000000000" pitchFamily="65" charset="-120"/>
-              <a:ea typeface="標楷體" panose="03000509000000000000" pitchFamily="65" charset="-120"/>
-            </a:endParaRPr>
-          </a:p>
-          <a:p>
-            <a:pPr rtl="0">
-              <a:spcBef>
-                <a:spcPts val="600"/>
-              </a:spcBef>
-              <a:spcAft>
-                <a:spcPts val="0"/>
-              </a:spcAft>
-            </a:pPr>
-            <a:r>
-              <a:rPr lang="en-US" altLang="zh-TW" sz="1800" b="0" i="0" u="none" strike="noStrike" dirty="0">
-                <a:solidFill>
-                  <a:srgbClr val="3D3D3D"/>
-                </a:solidFill>
-                <a:effectLst/>
-                <a:latin typeface="標楷體" panose="03000509000000000000" pitchFamily="65" charset="-120"/>
-                <a:ea typeface="標楷體" panose="03000509000000000000" pitchFamily="65" charset="-120"/>
-              </a:rPr>
-              <a:t>ZN</a:t>
-            </a:r>
-            <a:r>
-              <a:rPr lang="zh-TW" altLang="en-US" sz="1800" b="0" i="0" u="none" strike="noStrike" dirty="0">
-                <a:solidFill>
-                  <a:srgbClr val="3D3D3D"/>
-                </a:solidFill>
-                <a:effectLst/>
-                <a:latin typeface="標楷體" panose="03000509000000000000" pitchFamily="65" charset="-120"/>
-                <a:ea typeface="標楷體" panose="03000509000000000000" pitchFamily="65" charset="-120"/>
-              </a:rPr>
-              <a:t>：住宅用地超過 </a:t>
-            </a:r>
-            <a:r>
-              <a:rPr lang="en-US" altLang="zh-TW" sz="1800" b="0" i="0" u="none" strike="noStrike" dirty="0">
-                <a:solidFill>
-                  <a:srgbClr val="3D3D3D"/>
-                </a:solidFill>
-                <a:effectLst/>
-                <a:latin typeface="標楷體" panose="03000509000000000000" pitchFamily="65" charset="-120"/>
-                <a:ea typeface="標楷體" panose="03000509000000000000" pitchFamily="65" charset="-120"/>
-              </a:rPr>
-              <a:t>25000 </a:t>
-            </a:r>
-            <a:r>
-              <a:rPr lang="en-US" altLang="zh-TW" sz="1800" b="0" i="0" u="none" strike="noStrike" dirty="0" err="1">
-                <a:solidFill>
-                  <a:srgbClr val="3D3D3D"/>
-                </a:solidFill>
-                <a:effectLst/>
-                <a:latin typeface="標楷體" panose="03000509000000000000" pitchFamily="65" charset="-120"/>
-                <a:ea typeface="標楷體" panose="03000509000000000000" pitchFamily="65" charset="-120"/>
-              </a:rPr>
-              <a:t>sq.ft</a:t>
-            </a:r>
-            <a:r>
-              <a:rPr lang="en-US" altLang="zh-TW" sz="1800" b="0" i="0" u="none" strike="noStrike" dirty="0">
-                <a:solidFill>
-                  <a:srgbClr val="3D3D3D"/>
-                </a:solidFill>
-                <a:effectLst/>
-                <a:latin typeface="標楷體" panose="03000509000000000000" pitchFamily="65" charset="-120"/>
-                <a:ea typeface="標楷體" panose="03000509000000000000" pitchFamily="65" charset="-120"/>
-              </a:rPr>
-              <a:t>. </a:t>
-            </a:r>
-            <a:r>
-              <a:rPr lang="zh-TW" altLang="en-US" sz="1800" b="0" i="0" u="none" strike="noStrike" dirty="0">
-                <a:solidFill>
-                  <a:srgbClr val="3D3D3D"/>
-                </a:solidFill>
-                <a:effectLst/>
-                <a:latin typeface="標楷體" panose="03000509000000000000" pitchFamily="65" charset="-120"/>
-                <a:ea typeface="標楷體" panose="03000509000000000000" pitchFamily="65" charset="-120"/>
-              </a:rPr>
-              <a:t>的比例。</a:t>
-            </a:r>
-            <a:endParaRPr lang="zh-TW" altLang="en-US" b="0" dirty="0">
-              <a:effectLst/>
-              <a:latin typeface="標楷體" panose="03000509000000000000" pitchFamily="65" charset="-120"/>
-              <a:ea typeface="標楷體" panose="03000509000000000000" pitchFamily="65" charset="-120"/>
-            </a:endParaRPr>
-          </a:p>
-          <a:p>
-            <a:pPr rtl="0">
-              <a:spcBef>
-                <a:spcPts val="600"/>
-              </a:spcBef>
-              <a:spcAft>
-                <a:spcPts val="0"/>
-              </a:spcAft>
-            </a:pPr>
-            <a:r>
-              <a:rPr lang="en-US" altLang="zh-TW" sz="1800" b="0" i="0" u="none" strike="noStrike" dirty="0">
-                <a:solidFill>
-                  <a:srgbClr val="3D3D3D"/>
-                </a:solidFill>
-                <a:effectLst/>
-                <a:latin typeface="標楷體" panose="03000509000000000000" pitchFamily="65" charset="-120"/>
-                <a:ea typeface="標楷體" panose="03000509000000000000" pitchFamily="65" charset="-120"/>
-              </a:rPr>
-              <a:t>INDUS</a:t>
-            </a:r>
-            <a:r>
-              <a:rPr lang="zh-TW" altLang="en-US" sz="1800" b="0" i="0" u="none" strike="noStrike" dirty="0">
-                <a:solidFill>
-                  <a:srgbClr val="3D3D3D"/>
-                </a:solidFill>
-                <a:effectLst/>
-                <a:latin typeface="標楷體" panose="03000509000000000000" pitchFamily="65" charset="-120"/>
-                <a:ea typeface="標楷體" panose="03000509000000000000" pitchFamily="65" charset="-120"/>
-              </a:rPr>
-              <a:t>：城鎮非零售商用土地的比例。</a:t>
-            </a:r>
-            <a:endParaRPr lang="zh-TW" altLang="en-US" b="0" dirty="0">
-              <a:effectLst/>
-              <a:latin typeface="標楷體" panose="03000509000000000000" pitchFamily="65" charset="-120"/>
-              <a:ea typeface="標楷體" panose="03000509000000000000" pitchFamily="65" charset="-120"/>
-            </a:endParaRPr>
-          </a:p>
-          <a:p>
-            <a:pPr rtl="0">
-              <a:spcBef>
-                <a:spcPts val="600"/>
-              </a:spcBef>
-              <a:spcAft>
-                <a:spcPts val="0"/>
-              </a:spcAft>
-            </a:pPr>
-            <a:r>
-              <a:rPr lang="en-US" altLang="zh-TW" sz="1800" b="0" i="0" u="none" strike="noStrike" dirty="0">
-                <a:solidFill>
-                  <a:srgbClr val="3D3D3D"/>
-                </a:solidFill>
-                <a:effectLst/>
-                <a:latin typeface="標楷體" panose="03000509000000000000" pitchFamily="65" charset="-120"/>
-                <a:ea typeface="標楷體" panose="03000509000000000000" pitchFamily="65" charset="-120"/>
-              </a:rPr>
-              <a:t>CHAS</a:t>
-            </a:r>
-            <a:r>
-              <a:rPr lang="zh-TW" altLang="en-US" sz="1800" b="0" i="0" u="none" strike="noStrike" dirty="0">
-                <a:solidFill>
-                  <a:srgbClr val="3D3D3D"/>
-                </a:solidFill>
-                <a:effectLst/>
-                <a:latin typeface="標楷體" panose="03000509000000000000" pitchFamily="65" charset="-120"/>
-                <a:ea typeface="標楷體" panose="03000509000000000000" pitchFamily="65" charset="-120"/>
-              </a:rPr>
-              <a:t>：查理斯河空變量（如果邊界是河流，則爲</a:t>
-            </a:r>
-            <a:r>
-              <a:rPr lang="en-US" altLang="zh-TW" sz="1800" b="0" i="0" u="none" strike="noStrike" dirty="0">
-                <a:solidFill>
-                  <a:srgbClr val="3D3D3D"/>
-                </a:solidFill>
-                <a:effectLst/>
-                <a:latin typeface="標楷體" panose="03000509000000000000" pitchFamily="65" charset="-120"/>
-                <a:ea typeface="標楷體" panose="03000509000000000000" pitchFamily="65" charset="-120"/>
-              </a:rPr>
-              <a:t>1</a:t>
-            </a:r>
-            <a:r>
-              <a:rPr lang="zh-TW" altLang="en-US" sz="1800" b="0" i="0" u="none" strike="noStrike" dirty="0">
-                <a:solidFill>
-                  <a:srgbClr val="3D3D3D"/>
-                </a:solidFill>
-                <a:effectLst/>
-                <a:latin typeface="標楷體" panose="03000509000000000000" pitchFamily="65" charset="-120"/>
-                <a:ea typeface="標楷體" panose="03000509000000000000" pitchFamily="65" charset="-120"/>
-              </a:rPr>
-              <a:t>；否則爲</a:t>
-            </a:r>
-            <a:r>
-              <a:rPr lang="en-US" altLang="zh-TW" sz="1800" b="0" i="0" u="none" strike="noStrike" dirty="0">
-                <a:solidFill>
-                  <a:srgbClr val="3D3D3D"/>
-                </a:solidFill>
-                <a:effectLst/>
-                <a:latin typeface="標楷體" panose="03000509000000000000" pitchFamily="65" charset="-120"/>
-                <a:ea typeface="標楷體" panose="03000509000000000000" pitchFamily="65" charset="-120"/>
-              </a:rPr>
-              <a:t>0</a:t>
-            </a:r>
-            <a:r>
-              <a:rPr lang="zh-TW" altLang="en-US" sz="1800" b="0" i="0" u="none" strike="noStrike" dirty="0">
-                <a:solidFill>
-                  <a:srgbClr val="3D3D3D"/>
-                </a:solidFill>
-                <a:effectLst/>
-                <a:latin typeface="標楷體" panose="03000509000000000000" pitchFamily="65" charset="-120"/>
-                <a:ea typeface="標楷體" panose="03000509000000000000" pitchFamily="65" charset="-120"/>
-              </a:rPr>
-              <a:t>）。</a:t>
-            </a:r>
-            <a:endParaRPr lang="zh-TW" altLang="en-US" b="0" dirty="0">
-              <a:effectLst/>
-              <a:latin typeface="標楷體" panose="03000509000000000000" pitchFamily="65" charset="-120"/>
-              <a:ea typeface="標楷體" panose="03000509000000000000" pitchFamily="65" charset="-120"/>
-            </a:endParaRPr>
-          </a:p>
-          <a:p>
-            <a:pPr rtl="0">
-              <a:spcBef>
-                <a:spcPts val="600"/>
-              </a:spcBef>
-              <a:spcAft>
-                <a:spcPts val="0"/>
-              </a:spcAft>
-            </a:pPr>
-            <a:r>
-              <a:rPr lang="en-US" altLang="zh-TW" sz="1800" b="0" i="0" u="none" strike="noStrike" dirty="0">
-                <a:solidFill>
-                  <a:srgbClr val="3D3D3D"/>
-                </a:solidFill>
-                <a:effectLst/>
-                <a:latin typeface="標楷體" panose="03000509000000000000" pitchFamily="65" charset="-120"/>
-                <a:ea typeface="標楷體" panose="03000509000000000000" pitchFamily="65" charset="-120"/>
-              </a:rPr>
-              <a:t>NOX</a:t>
-            </a:r>
-            <a:r>
-              <a:rPr lang="zh-TW" altLang="en-US" sz="1800" b="0" i="0" u="none" strike="noStrike" dirty="0">
-                <a:solidFill>
-                  <a:srgbClr val="3D3D3D"/>
-                </a:solidFill>
-                <a:effectLst/>
-                <a:latin typeface="標楷體" panose="03000509000000000000" pitchFamily="65" charset="-120"/>
-                <a:ea typeface="標楷體" panose="03000509000000000000" pitchFamily="65" charset="-120"/>
-              </a:rPr>
-              <a:t>：一氧化氮濃度。</a:t>
-            </a:r>
-            <a:endParaRPr lang="zh-TW" altLang="en-US" b="0" dirty="0">
-              <a:effectLst/>
-              <a:latin typeface="標楷體" panose="03000509000000000000" pitchFamily="65" charset="-120"/>
-              <a:ea typeface="標楷體" panose="03000509000000000000" pitchFamily="65" charset="-120"/>
-            </a:endParaRPr>
-          </a:p>
-          <a:p>
-            <a:pPr rtl="0">
-              <a:spcBef>
-                <a:spcPts val="600"/>
-              </a:spcBef>
-              <a:spcAft>
-                <a:spcPts val="0"/>
-              </a:spcAft>
-            </a:pPr>
-            <a:r>
-              <a:rPr lang="en-US" altLang="zh-TW" sz="1800" b="0" i="0" u="none" strike="noStrike" dirty="0">
-                <a:solidFill>
-                  <a:srgbClr val="3D3D3D"/>
-                </a:solidFill>
-                <a:effectLst/>
-                <a:latin typeface="標楷體" panose="03000509000000000000" pitchFamily="65" charset="-120"/>
-                <a:ea typeface="標楷體" panose="03000509000000000000" pitchFamily="65" charset="-120"/>
-              </a:rPr>
-              <a:t>RM</a:t>
-            </a:r>
-            <a:r>
-              <a:rPr lang="zh-TW" altLang="en-US" sz="1800" b="0" i="0" u="none" strike="noStrike" dirty="0">
-                <a:solidFill>
-                  <a:srgbClr val="3D3D3D"/>
-                </a:solidFill>
-                <a:effectLst/>
-                <a:latin typeface="標楷體" panose="03000509000000000000" pitchFamily="65" charset="-120"/>
-                <a:ea typeface="標楷體" panose="03000509000000000000" pitchFamily="65" charset="-120"/>
-              </a:rPr>
-              <a:t>：住宅平均房間數。</a:t>
-            </a:r>
-            <a:endParaRPr lang="en-US" altLang="zh-TW" sz="1800" b="0" i="0" u="none" strike="noStrike" dirty="0">
-              <a:solidFill>
-                <a:srgbClr val="3D3D3D"/>
-              </a:solidFill>
-              <a:effectLst/>
-              <a:latin typeface="標楷體" panose="03000509000000000000" pitchFamily="65" charset="-120"/>
-              <a:ea typeface="標楷體" panose="03000509000000000000" pitchFamily="65" charset="-120"/>
-            </a:endParaRPr>
-          </a:p>
-          <a:p>
-            <a:pPr rtl="0">
-              <a:spcBef>
-                <a:spcPts val="600"/>
-              </a:spcBef>
-              <a:spcAft>
-                <a:spcPts val="0"/>
-              </a:spcAft>
-            </a:pPr>
-            <a:r>
-              <a:rPr lang="en-US" altLang="zh-TW" sz="1800" b="0" i="0" u="none" strike="noStrike" dirty="0">
-                <a:solidFill>
-                  <a:srgbClr val="3D3D3D"/>
-                </a:solidFill>
-                <a:effectLst/>
-                <a:latin typeface="標楷體" panose="03000509000000000000" pitchFamily="65" charset="-120"/>
-                <a:ea typeface="標楷體" panose="03000509000000000000" pitchFamily="65" charset="-120"/>
-              </a:rPr>
-              <a:t>AGE</a:t>
-            </a:r>
-            <a:r>
-              <a:rPr lang="zh-TW" altLang="en-US" sz="1800" b="0" i="0" u="none" strike="noStrike" dirty="0">
-                <a:solidFill>
-                  <a:srgbClr val="3D3D3D"/>
-                </a:solidFill>
-                <a:effectLst/>
-                <a:latin typeface="標楷體" panose="03000509000000000000" pitchFamily="65" charset="-120"/>
-                <a:ea typeface="標楷體" panose="03000509000000000000" pitchFamily="65" charset="-120"/>
-              </a:rPr>
-              <a:t>：</a:t>
-            </a:r>
-            <a:r>
-              <a:rPr lang="en-US" altLang="zh-TW" sz="1800" b="0" i="0" u="none" strike="noStrike" dirty="0">
-                <a:solidFill>
-                  <a:srgbClr val="3D3D3D"/>
-                </a:solidFill>
-                <a:effectLst/>
-                <a:latin typeface="標楷體" panose="03000509000000000000" pitchFamily="65" charset="-120"/>
-                <a:ea typeface="標楷體" panose="03000509000000000000" pitchFamily="65" charset="-120"/>
-              </a:rPr>
-              <a:t>1940 </a:t>
-            </a:r>
-            <a:r>
-              <a:rPr lang="zh-TW" altLang="en-US" sz="1800" b="0" i="0" u="none" strike="noStrike" dirty="0">
-                <a:solidFill>
-                  <a:srgbClr val="3D3D3D"/>
-                </a:solidFill>
-                <a:effectLst/>
-                <a:latin typeface="標楷體" panose="03000509000000000000" pitchFamily="65" charset="-120"/>
-                <a:ea typeface="標楷體" panose="03000509000000000000" pitchFamily="65" charset="-120"/>
-              </a:rPr>
-              <a:t>年之前建成的自用房屋比例。</a:t>
-            </a:r>
-            <a:endParaRPr lang="zh-TW" altLang="en-US" b="0" dirty="0">
-              <a:effectLst/>
-              <a:latin typeface="標楷體" panose="03000509000000000000" pitchFamily="65" charset="-120"/>
-              <a:ea typeface="標楷體" panose="03000509000000000000" pitchFamily="65" charset="-120"/>
-            </a:endParaRPr>
-          </a:p>
-          <a:p>
-            <a:pPr rtl="0">
-              <a:spcBef>
-                <a:spcPts val="600"/>
-              </a:spcBef>
-              <a:spcAft>
-                <a:spcPts val="0"/>
-              </a:spcAft>
-            </a:pPr>
-            <a:r>
-              <a:rPr lang="en-US" altLang="zh-TW" sz="1800" b="0" i="0" u="none" strike="noStrike" dirty="0">
-                <a:solidFill>
-                  <a:srgbClr val="3D3D3D"/>
-                </a:solidFill>
-                <a:effectLst/>
-                <a:latin typeface="標楷體" panose="03000509000000000000" pitchFamily="65" charset="-120"/>
-                <a:ea typeface="標楷體" panose="03000509000000000000" pitchFamily="65" charset="-120"/>
-              </a:rPr>
-              <a:t>DIS</a:t>
-            </a:r>
-            <a:r>
-              <a:rPr lang="zh-TW" altLang="en-US" sz="1800" b="0" i="0" u="none" strike="noStrike" dirty="0">
-                <a:solidFill>
-                  <a:srgbClr val="3D3D3D"/>
-                </a:solidFill>
-                <a:effectLst/>
-                <a:latin typeface="標楷體" panose="03000509000000000000" pitchFamily="65" charset="-120"/>
-                <a:ea typeface="標楷體" panose="03000509000000000000" pitchFamily="65" charset="-120"/>
-              </a:rPr>
-              <a:t>：到波士頓五個中心區域的加權距離。</a:t>
-            </a:r>
-            <a:endParaRPr lang="zh-TW" altLang="en-US" b="0" dirty="0">
-              <a:effectLst/>
-              <a:latin typeface="標楷體" panose="03000509000000000000" pitchFamily="65" charset="-120"/>
-              <a:ea typeface="標楷體" panose="03000509000000000000" pitchFamily="65" charset="-120"/>
-            </a:endParaRPr>
-          </a:p>
-          <a:p>
-            <a:pPr rtl="0">
-              <a:spcBef>
-                <a:spcPts val="600"/>
-              </a:spcBef>
-              <a:spcAft>
-                <a:spcPts val="0"/>
-              </a:spcAft>
-            </a:pPr>
-            <a:r>
-              <a:rPr lang="en-US" altLang="zh-TW" sz="1800" b="0" i="0" u="none" strike="noStrike" dirty="0">
-                <a:solidFill>
-                  <a:srgbClr val="3D3D3D"/>
-                </a:solidFill>
-                <a:effectLst/>
-                <a:latin typeface="標楷體" panose="03000509000000000000" pitchFamily="65" charset="-120"/>
-                <a:ea typeface="標楷體" panose="03000509000000000000" pitchFamily="65" charset="-120"/>
-              </a:rPr>
-              <a:t>RAD</a:t>
-            </a:r>
-            <a:r>
-              <a:rPr lang="zh-TW" altLang="en-US" sz="1800" b="0" i="0" u="none" strike="noStrike" dirty="0">
-                <a:solidFill>
-                  <a:srgbClr val="3D3D3D"/>
-                </a:solidFill>
-                <a:effectLst/>
-                <a:latin typeface="標楷體" panose="03000509000000000000" pitchFamily="65" charset="-120"/>
-                <a:ea typeface="標楷體" panose="03000509000000000000" pitchFamily="65" charset="-120"/>
-              </a:rPr>
-              <a:t>：輻射性公路的接近指數。</a:t>
-            </a:r>
-            <a:endParaRPr lang="zh-TW" altLang="en-US" b="0" dirty="0">
-              <a:effectLst/>
-              <a:latin typeface="標楷體" panose="03000509000000000000" pitchFamily="65" charset="-120"/>
-              <a:ea typeface="標楷體" panose="03000509000000000000" pitchFamily="65" charset="-120"/>
-            </a:endParaRPr>
-          </a:p>
-          <a:p>
-            <a:pPr rtl="0">
-              <a:spcBef>
-                <a:spcPts val="600"/>
-              </a:spcBef>
-              <a:spcAft>
-                <a:spcPts val="0"/>
-              </a:spcAft>
-            </a:pPr>
-            <a:r>
-              <a:rPr lang="en-US" altLang="zh-TW" sz="1800" b="0" i="0" u="none" strike="noStrike" dirty="0">
-                <a:solidFill>
-                  <a:srgbClr val="3D3D3D"/>
-                </a:solidFill>
-                <a:effectLst/>
-                <a:latin typeface="標楷體" panose="03000509000000000000" pitchFamily="65" charset="-120"/>
-                <a:ea typeface="標楷體" panose="03000509000000000000" pitchFamily="65" charset="-120"/>
-              </a:rPr>
-              <a:t>TAX</a:t>
-            </a:r>
-            <a:r>
-              <a:rPr lang="zh-TW" altLang="en-US" sz="1800" b="0" i="0" u="none" strike="noStrike" dirty="0">
-                <a:solidFill>
-                  <a:srgbClr val="3D3D3D"/>
-                </a:solidFill>
-                <a:effectLst/>
-                <a:latin typeface="標楷體" panose="03000509000000000000" pitchFamily="65" charset="-120"/>
-                <a:ea typeface="標楷體" panose="03000509000000000000" pitchFamily="65" charset="-120"/>
-              </a:rPr>
-              <a:t>：每 </a:t>
-            </a:r>
-            <a:r>
-              <a:rPr lang="en-US" altLang="zh-TW" sz="1800" b="0" i="0" u="none" strike="noStrike" dirty="0">
-                <a:solidFill>
-                  <a:srgbClr val="3D3D3D"/>
-                </a:solidFill>
-                <a:effectLst/>
-                <a:latin typeface="標楷體" panose="03000509000000000000" pitchFamily="65" charset="-120"/>
-                <a:ea typeface="標楷體" panose="03000509000000000000" pitchFamily="65" charset="-120"/>
-              </a:rPr>
-              <a:t>10000 </a:t>
-            </a:r>
-            <a:r>
-              <a:rPr lang="zh-TW" altLang="en-US" sz="1800" b="0" i="0" u="none" strike="noStrike" dirty="0">
-                <a:solidFill>
-                  <a:srgbClr val="3D3D3D"/>
-                </a:solidFill>
-                <a:effectLst/>
-                <a:latin typeface="標楷體" panose="03000509000000000000" pitchFamily="65" charset="-120"/>
-                <a:ea typeface="標楷體" panose="03000509000000000000" pitchFamily="65" charset="-120"/>
-              </a:rPr>
-              <a:t>美元的全值財產稅率。</a:t>
-            </a:r>
-            <a:endParaRPr lang="zh-TW" altLang="en-US" b="0" dirty="0">
-              <a:effectLst/>
-              <a:latin typeface="標楷體" panose="03000509000000000000" pitchFamily="65" charset="-120"/>
-              <a:ea typeface="標楷體" panose="03000509000000000000" pitchFamily="65" charset="-120"/>
-            </a:endParaRPr>
-          </a:p>
-          <a:p>
-            <a:pPr rtl="0">
-              <a:spcBef>
-                <a:spcPts val="600"/>
-              </a:spcBef>
-              <a:spcAft>
-                <a:spcPts val="0"/>
-              </a:spcAft>
-            </a:pPr>
-            <a:r>
-              <a:rPr lang="en-US" altLang="zh-TW" sz="1800" b="0" i="0" u="none" strike="noStrike" dirty="0">
-                <a:solidFill>
-                  <a:srgbClr val="3D3D3D"/>
-                </a:solidFill>
-                <a:effectLst/>
-                <a:latin typeface="標楷體" panose="03000509000000000000" pitchFamily="65" charset="-120"/>
-                <a:ea typeface="標楷體" panose="03000509000000000000" pitchFamily="65" charset="-120"/>
-              </a:rPr>
-              <a:t>PTRATIO</a:t>
-            </a:r>
-            <a:r>
-              <a:rPr lang="zh-TW" altLang="en-US" sz="1800" b="0" i="0" u="none" strike="noStrike" dirty="0">
-                <a:solidFill>
-                  <a:srgbClr val="3D3D3D"/>
-                </a:solidFill>
-                <a:effectLst/>
-                <a:latin typeface="標楷體" panose="03000509000000000000" pitchFamily="65" charset="-120"/>
-                <a:ea typeface="標楷體" panose="03000509000000000000" pitchFamily="65" charset="-120"/>
-              </a:rPr>
-              <a:t>：城鎮師生比例。</a:t>
-            </a:r>
-            <a:endParaRPr lang="zh-TW" altLang="en-US" b="0" dirty="0">
-              <a:effectLst/>
-              <a:latin typeface="標楷體" panose="03000509000000000000" pitchFamily="65" charset="-120"/>
-              <a:ea typeface="標楷體" panose="03000509000000000000" pitchFamily="65" charset="-120"/>
-            </a:endParaRPr>
-          </a:p>
-          <a:p>
-            <a:pPr rtl="0">
-              <a:spcBef>
-                <a:spcPts val="600"/>
-              </a:spcBef>
-              <a:spcAft>
-                <a:spcPts val="0"/>
-              </a:spcAft>
-            </a:pPr>
-            <a:r>
-              <a:rPr lang="en-US" altLang="zh-TW" sz="1800" b="0" i="0" u="none" strike="noStrike" dirty="0">
-                <a:solidFill>
-                  <a:srgbClr val="3D3D3D"/>
-                </a:solidFill>
-                <a:effectLst/>
-                <a:latin typeface="標楷體" panose="03000509000000000000" pitchFamily="65" charset="-120"/>
-                <a:ea typeface="標楷體" panose="03000509000000000000" pitchFamily="65" charset="-120"/>
-              </a:rPr>
-              <a:t>B</a:t>
-            </a:r>
-            <a:r>
-              <a:rPr lang="zh-TW" altLang="en-US" sz="1800" b="0" i="0" u="none" strike="noStrike" dirty="0">
-                <a:solidFill>
-                  <a:srgbClr val="3D3D3D"/>
-                </a:solidFill>
-                <a:effectLst/>
-                <a:latin typeface="標楷體" panose="03000509000000000000" pitchFamily="65" charset="-120"/>
-                <a:ea typeface="標楷體" panose="03000509000000000000" pitchFamily="65" charset="-120"/>
-              </a:rPr>
-              <a:t>：</a:t>
-            </a:r>
-            <a:r>
-              <a:rPr lang="en-US" altLang="zh-TW" sz="1800" b="0" i="0" u="none" strike="noStrike" dirty="0">
-                <a:solidFill>
-                  <a:srgbClr val="3D3D3D"/>
-                </a:solidFill>
-                <a:effectLst/>
-                <a:latin typeface="標楷體" panose="03000509000000000000" pitchFamily="65" charset="-120"/>
-                <a:ea typeface="標楷體" panose="03000509000000000000" pitchFamily="65" charset="-120"/>
-              </a:rPr>
-              <a:t>1000</a:t>
-            </a:r>
-            <a:r>
-              <a:rPr lang="zh-TW" altLang="en-US" sz="1800" b="0" i="0" u="none" strike="noStrike" dirty="0">
-                <a:solidFill>
-                  <a:srgbClr val="3D3D3D"/>
-                </a:solidFill>
-                <a:effectLst/>
-                <a:latin typeface="標楷體" panose="03000509000000000000" pitchFamily="65" charset="-120"/>
-                <a:ea typeface="標楷體" panose="03000509000000000000" pitchFamily="65" charset="-120"/>
-              </a:rPr>
-              <a:t>（</a:t>
-            </a:r>
-            <a:r>
-              <a:rPr lang="en-US" altLang="zh-TW" sz="1800" b="0" i="0" u="none" strike="noStrike" dirty="0">
-                <a:solidFill>
-                  <a:srgbClr val="3D3D3D"/>
-                </a:solidFill>
-                <a:effectLst/>
-                <a:latin typeface="標楷體" panose="03000509000000000000" pitchFamily="65" charset="-120"/>
-                <a:ea typeface="標楷體" panose="03000509000000000000" pitchFamily="65" charset="-120"/>
-              </a:rPr>
-              <a:t>Bk-0.63</a:t>
-            </a:r>
-            <a:r>
-              <a:rPr lang="zh-TW" altLang="en-US" sz="1800" b="0" i="0" u="none" strike="noStrike" dirty="0">
-                <a:solidFill>
-                  <a:srgbClr val="3D3D3D"/>
-                </a:solidFill>
-                <a:effectLst/>
-                <a:latin typeface="標楷體" panose="03000509000000000000" pitchFamily="65" charset="-120"/>
-                <a:ea typeface="標楷體" panose="03000509000000000000" pitchFamily="65" charset="-120"/>
-              </a:rPr>
-              <a:t>）</a:t>
-            </a:r>
-            <a:r>
-              <a:rPr lang="en-US" altLang="zh-TW" sz="1800" b="0" i="0" u="none" strike="noStrike" dirty="0">
-                <a:solidFill>
-                  <a:srgbClr val="3D3D3D"/>
-                </a:solidFill>
-                <a:effectLst/>
-                <a:latin typeface="標楷體" panose="03000509000000000000" pitchFamily="65" charset="-120"/>
-                <a:ea typeface="標楷體" panose="03000509000000000000" pitchFamily="65" charset="-120"/>
-              </a:rPr>
-              <a:t>^ 2</a:t>
-            </a:r>
-            <a:r>
-              <a:rPr lang="zh-TW" altLang="en-US" sz="1800" b="0" i="0" u="none" strike="noStrike" dirty="0">
-                <a:solidFill>
-                  <a:srgbClr val="3D3D3D"/>
-                </a:solidFill>
-                <a:effectLst/>
-                <a:latin typeface="標楷體" panose="03000509000000000000" pitchFamily="65" charset="-120"/>
-                <a:ea typeface="標楷體" panose="03000509000000000000" pitchFamily="65" charset="-120"/>
-              </a:rPr>
-              <a:t>，其中 </a:t>
-            </a:r>
-            <a:r>
-              <a:rPr lang="en-US" altLang="zh-TW" sz="1800" b="0" i="0" u="none" strike="noStrike" dirty="0">
-                <a:solidFill>
-                  <a:srgbClr val="3D3D3D"/>
-                </a:solidFill>
-                <a:effectLst/>
-                <a:latin typeface="標楷體" panose="03000509000000000000" pitchFamily="65" charset="-120"/>
-                <a:ea typeface="標楷體" panose="03000509000000000000" pitchFamily="65" charset="-120"/>
-              </a:rPr>
-              <a:t>Bk </a:t>
-            </a:r>
-            <a:r>
-              <a:rPr lang="zh-TW" altLang="en-US" sz="1800" b="0" i="0" u="none" strike="noStrike" dirty="0">
-                <a:solidFill>
-                  <a:srgbClr val="3D3D3D"/>
-                </a:solidFill>
-                <a:effectLst/>
-                <a:latin typeface="標楷體" panose="03000509000000000000" pitchFamily="65" charset="-120"/>
-                <a:ea typeface="標楷體" panose="03000509000000000000" pitchFamily="65" charset="-120"/>
-              </a:rPr>
-              <a:t>指代城鎮中黑人的比例。</a:t>
-            </a:r>
-            <a:endParaRPr lang="zh-TW" altLang="en-US" b="0" dirty="0">
-              <a:effectLst/>
-              <a:latin typeface="標楷體" panose="03000509000000000000" pitchFamily="65" charset="-120"/>
-              <a:ea typeface="標楷體" panose="03000509000000000000" pitchFamily="65" charset="-120"/>
-            </a:endParaRPr>
-          </a:p>
-          <a:p>
-            <a:pPr rtl="0">
-              <a:spcBef>
-                <a:spcPts val="600"/>
-              </a:spcBef>
-              <a:spcAft>
-                <a:spcPts val="0"/>
-              </a:spcAft>
-            </a:pPr>
-            <a:r>
-              <a:rPr lang="en-US" altLang="zh-TW" sz="1800" b="0" i="0" u="none" strike="noStrike" dirty="0">
-                <a:solidFill>
-                  <a:srgbClr val="3D3D3D"/>
-                </a:solidFill>
-                <a:effectLst/>
-                <a:latin typeface="標楷體" panose="03000509000000000000" pitchFamily="65" charset="-120"/>
-                <a:ea typeface="標楷體" panose="03000509000000000000" pitchFamily="65" charset="-120"/>
-              </a:rPr>
-              <a:t>LSTAT</a:t>
-            </a:r>
-            <a:r>
-              <a:rPr lang="zh-TW" altLang="en-US" sz="1800" b="0" i="0" u="none" strike="noStrike" dirty="0">
-                <a:solidFill>
-                  <a:srgbClr val="3D3D3D"/>
-                </a:solidFill>
-                <a:effectLst/>
-                <a:latin typeface="標楷體" panose="03000509000000000000" pitchFamily="65" charset="-120"/>
-                <a:ea typeface="標楷體" panose="03000509000000000000" pitchFamily="65" charset="-120"/>
-              </a:rPr>
-              <a:t>：人口中地位低下者的比例。</a:t>
-            </a:r>
-            <a:endParaRPr lang="zh-TW" altLang="en-US" b="0" dirty="0">
-              <a:effectLst/>
-              <a:latin typeface="標楷體" panose="03000509000000000000" pitchFamily="65" charset="-120"/>
-              <a:ea typeface="標楷體" panose="03000509000000000000" pitchFamily="65" charset="-120"/>
-            </a:endParaRPr>
-          </a:p>
-          <a:p>
-            <a:pPr rtl="0">
-              <a:spcBef>
-                <a:spcPts val="600"/>
-              </a:spcBef>
-              <a:spcAft>
-                <a:spcPts val="0"/>
-              </a:spcAft>
-            </a:pPr>
-            <a:r>
-              <a:rPr lang="en-US" altLang="zh-TW" sz="1800" b="0" i="0" u="none" strike="noStrike" dirty="0">
-                <a:solidFill>
-                  <a:srgbClr val="3D3D3D"/>
-                </a:solidFill>
-                <a:effectLst/>
-                <a:latin typeface="標楷體" panose="03000509000000000000" pitchFamily="65" charset="-120"/>
-                <a:ea typeface="標楷體" panose="03000509000000000000" pitchFamily="65" charset="-120"/>
-              </a:rPr>
-              <a:t>MEDV</a:t>
-            </a:r>
-            <a:r>
-              <a:rPr lang="zh-TW" altLang="en-US" sz="1800" b="0" i="0" u="none" strike="noStrike" dirty="0">
-                <a:solidFill>
-                  <a:srgbClr val="3D3D3D"/>
-                </a:solidFill>
-                <a:effectLst/>
-                <a:latin typeface="標楷體" panose="03000509000000000000" pitchFamily="65" charset="-120"/>
-                <a:ea typeface="標楷體" panose="03000509000000000000" pitchFamily="65" charset="-120"/>
-              </a:rPr>
-              <a:t>：自住房的平均房價，以千美元計。</a:t>
-            </a:r>
-            <a:endParaRPr lang="zh-TW" altLang="en-US" b="0" dirty="0">
-              <a:effectLst/>
-              <a:latin typeface="標楷體" panose="03000509000000000000" pitchFamily="65" charset="-120"/>
-              <a:ea typeface="標楷體" panose="03000509000000000000" pitchFamily="65" charset="-120"/>
-            </a:endParaRPr>
-          </a:p>
-          <a:p>
-            <a:pPr>
-              <a:spcBef>
-                <a:spcPts val="500"/>
-              </a:spcBef>
-            </a:pPr>
-            <a:br>
-              <a:rPr lang="zh-TW" altLang="en-US" dirty="0"/>
-            </a:br>
-            <a:endParaRPr lang="zh-TW" altLang="en-US" b="0" dirty="0">
-              <a:effectLst/>
-            </a:endParaRPr>
-          </a:p>
-          <a:p>
-            <a:pPr>
-              <a:spcBef>
-                <a:spcPts val="500"/>
-              </a:spcBef>
-            </a:pPr>
-            <a:br>
-              <a:rPr lang="zh-TW" altLang="en-US" dirty="0"/>
-            </a:br>
-            <a:endParaRPr lang="zh-TW" altLang="en-US" dirty="0"/>
-          </a:p>
-        </p:txBody>
-      </p:sp>
       <p:cxnSp>
         <p:nvCxnSpPr>
           <p:cNvPr id="5" name="直線單箭頭接點 4">
@@ -5404,6 +4610,779 @@
               <a:latin typeface="標楷體" panose="03000509000000000000" pitchFamily="65" charset="-120"/>
               <a:ea typeface="標楷體" panose="03000509000000000000" pitchFamily="65" charset="-120"/>
             </a:endParaRPr>
+          </a:p>
+        </p:txBody>
+      </p:sp>
+      <p:sp>
+        <p:nvSpPr>
+          <p:cNvPr id="3" name="文字方塊 2">
+            <a:extLst>
+              <a:ext uri="{FF2B5EF4-FFF2-40B4-BE49-F238E27FC236}">
+                <a16:creationId xmlns:a16="http://schemas.microsoft.com/office/drawing/2014/main" id="{23A56ACD-0D6A-4905-B620-15AE9B7F5CF9}"/>
+              </a:ext>
+            </a:extLst>
+          </p:cNvPr>
+          <p:cNvSpPr txBox="1"/>
+          <p:nvPr/>
+        </p:nvSpPr>
+        <p:spPr>
+          <a:xfrm>
+            <a:off x="761865" y="1246331"/>
+            <a:ext cx="6474607" cy="5247590"/>
+          </a:xfrm>
+          <a:prstGeom prst="rect">
+            <a:avLst/>
+          </a:prstGeom>
+          <a:noFill/>
+        </p:spPr>
+        <p:txBody>
+          <a:bodyPr wrap="square" rtlCol="0">
+            <a:spAutoFit/>
+          </a:bodyPr>
+          <a:lstStyle/>
+          <a:p>
+            <a:pPr rtl="0">
+              <a:spcBef>
+                <a:spcPts val="600"/>
+              </a:spcBef>
+              <a:spcAft>
+                <a:spcPts val="0"/>
+              </a:spcAft>
+            </a:pPr>
+            <a:r>
+              <a:rPr lang="en-US" altLang="zh-TW" sz="1800" b="0" i="0" u="none" strike="noStrike" dirty="0">
+                <a:solidFill>
+                  <a:srgbClr val="3D3D3D"/>
+                </a:solidFill>
+                <a:effectLst/>
+                <a:latin typeface="標楷體" panose="03000509000000000000" pitchFamily="65" charset="-120"/>
+                <a:ea typeface="標楷體" panose="03000509000000000000" pitchFamily="65" charset="-120"/>
+              </a:rPr>
+              <a:t>CRIM</a:t>
+            </a:r>
+            <a:r>
+              <a:rPr lang="zh-TW" altLang="en-US" sz="1800" b="0" i="0" u="none" strike="noStrike" dirty="0">
+                <a:solidFill>
+                  <a:srgbClr val="3D3D3D"/>
+                </a:solidFill>
+                <a:effectLst/>
+                <a:latin typeface="標楷體" panose="03000509000000000000" pitchFamily="65" charset="-120"/>
+                <a:ea typeface="標楷體" panose="03000509000000000000" pitchFamily="65" charset="-120"/>
+              </a:rPr>
+              <a:t>：城鎮人均犯罪率。</a:t>
+            </a:r>
+            <a:endParaRPr lang="zh-TW" altLang="en-US" b="0" dirty="0">
+              <a:effectLst/>
+              <a:latin typeface="標楷體" panose="03000509000000000000" pitchFamily="65" charset="-120"/>
+              <a:ea typeface="標楷體" panose="03000509000000000000" pitchFamily="65" charset="-120"/>
+            </a:endParaRPr>
+          </a:p>
+          <a:p>
+            <a:pPr rtl="0">
+              <a:spcBef>
+                <a:spcPts val="600"/>
+              </a:spcBef>
+              <a:spcAft>
+                <a:spcPts val="0"/>
+              </a:spcAft>
+            </a:pPr>
+            <a:r>
+              <a:rPr lang="en-US" altLang="zh-TW" sz="1800" b="0" i="0" u="none" strike="noStrike" dirty="0">
+                <a:solidFill>
+                  <a:srgbClr val="3D3D3D"/>
+                </a:solidFill>
+                <a:effectLst/>
+                <a:latin typeface="標楷體" panose="03000509000000000000" pitchFamily="65" charset="-120"/>
+                <a:ea typeface="標楷體" panose="03000509000000000000" pitchFamily="65" charset="-120"/>
+              </a:rPr>
+              <a:t>ZN</a:t>
+            </a:r>
+            <a:r>
+              <a:rPr lang="zh-TW" altLang="en-US" sz="1800" b="0" i="0" u="none" strike="noStrike" dirty="0">
+                <a:solidFill>
+                  <a:srgbClr val="3D3D3D"/>
+                </a:solidFill>
+                <a:effectLst/>
+                <a:latin typeface="標楷體" panose="03000509000000000000" pitchFamily="65" charset="-120"/>
+                <a:ea typeface="標楷體" panose="03000509000000000000" pitchFamily="65" charset="-120"/>
+              </a:rPr>
+              <a:t>：住宅用地超過 </a:t>
+            </a:r>
+            <a:r>
+              <a:rPr lang="en-US" altLang="zh-TW" sz="1800" b="0" i="0" u="none" strike="noStrike" dirty="0">
+                <a:solidFill>
+                  <a:srgbClr val="3D3D3D"/>
+                </a:solidFill>
+                <a:effectLst/>
+                <a:latin typeface="標楷體" panose="03000509000000000000" pitchFamily="65" charset="-120"/>
+                <a:ea typeface="標楷體" panose="03000509000000000000" pitchFamily="65" charset="-120"/>
+              </a:rPr>
+              <a:t>25000 </a:t>
+            </a:r>
+            <a:r>
+              <a:rPr lang="en-US" altLang="zh-TW" sz="1800" b="0" i="0" u="none" strike="noStrike" dirty="0" err="1">
+                <a:solidFill>
+                  <a:srgbClr val="3D3D3D"/>
+                </a:solidFill>
+                <a:effectLst/>
+                <a:latin typeface="標楷體" panose="03000509000000000000" pitchFamily="65" charset="-120"/>
+                <a:ea typeface="標楷體" panose="03000509000000000000" pitchFamily="65" charset="-120"/>
+              </a:rPr>
+              <a:t>sq.ft</a:t>
+            </a:r>
+            <a:r>
+              <a:rPr lang="en-US" altLang="zh-TW" sz="1800" b="0" i="0" u="none" strike="noStrike" dirty="0">
+                <a:solidFill>
+                  <a:srgbClr val="3D3D3D"/>
+                </a:solidFill>
+                <a:effectLst/>
+                <a:latin typeface="標楷體" panose="03000509000000000000" pitchFamily="65" charset="-120"/>
+                <a:ea typeface="標楷體" panose="03000509000000000000" pitchFamily="65" charset="-120"/>
+              </a:rPr>
+              <a:t>. </a:t>
+            </a:r>
+            <a:r>
+              <a:rPr lang="zh-TW" altLang="en-US" sz="1800" b="0" i="0" u="none" strike="noStrike" dirty="0">
+                <a:solidFill>
+                  <a:srgbClr val="3D3D3D"/>
+                </a:solidFill>
+                <a:effectLst/>
+                <a:latin typeface="標楷體" panose="03000509000000000000" pitchFamily="65" charset="-120"/>
+                <a:ea typeface="標楷體" panose="03000509000000000000" pitchFamily="65" charset="-120"/>
+              </a:rPr>
+              <a:t>的比例。</a:t>
+            </a:r>
+            <a:endParaRPr lang="zh-TW" altLang="en-US" b="0" dirty="0">
+              <a:effectLst/>
+              <a:latin typeface="標楷體" panose="03000509000000000000" pitchFamily="65" charset="-120"/>
+              <a:ea typeface="標楷體" panose="03000509000000000000" pitchFamily="65" charset="-120"/>
+            </a:endParaRPr>
+          </a:p>
+          <a:p>
+            <a:pPr rtl="0">
+              <a:spcBef>
+                <a:spcPts val="600"/>
+              </a:spcBef>
+              <a:spcAft>
+                <a:spcPts val="0"/>
+              </a:spcAft>
+            </a:pPr>
+            <a:r>
+              <a:rPr lang="en-US" altLang="zh-TW" sz="1800" b="0" i="0" u="none" strike="noStrike" dirty="0">
+                <a:solidFill>
+                  <a:srgbClr val="3D3D3D"/>
+                </a:solidFill>
+                <a:effectLst/>
+                <a:latin typeface="標楷體" panose="03000509000000000000" pitchFamily="65" charset="-120"/>
+                <a:ea typeface="標楷體" panose="03000509000000000000" pitchFamily="65" charset="-120"/>
+              </a:rPr>
+              <a:t>INDUS</a:t>
+            </a:r>
+            <a:r>
+              <a:rPr lang="zh-TW" altLang="en-US" sz="1800" b="0" i="0" u="none" strike="noStrike" dirty="0">
+                <a:solidFill>
+                  <a:srgbClr val="3D3D3D"/>
+                </a:solidFill>
+                <a:effectLst/>
+                <a:latin typeface="標楷體" panose="03000509000000000000" pitchFamily="65" charset="-120"/>
+                <a:ea typeface="標楷體" panose="03000509000000000000" pitchFamily="65" charset="-120"/>
+              </a:rPr>
+              <a:t>：城鎮非零售商用土地的比例。</a:t>
+            </a:r>
+            <a:endParaRPr lang="zh-TW" altLang="en-US" b="0" dirty="0">
+              <a:effectLst/>
+              <a:latin typeface="標楷體" panose="03000509000000000000" pitchFamily="65" charset="-120"/>
+              <a:ea typeface="標楷體" panose="03000509000000000000" pitchFamily="65" charset="-120"/>
+            </a:endParaRPr>
+          </a:p>
+          <a:p>
+            <a:pPr rtl="0">
+              <a:spcBef>
+                <a:spcPts val="600"/>
+              </a:spcBef>
+              <a:spcAft>
+                <a:spcPts val="0"/>
+              </a:spcAft>
+            </a:pPr>
+            <a:r>
+              <a:rPr lang="en-US" altLang="zh-TW" sz="1800" b="0" i="0" u="none" strike="noStrike" dirty="0">
+                <a:solidFill>
+                  <a:srgbClr val="3D3D3D"/>
+                </a:solidFill>
+                <a:effectLst/>
+                <a:latin typeface="標楷體" panose="03000509000000000000" pitchFamily="65" charset="-120"/>
+                <a:ea typeface="標楷體" panose="03000509000000000000" pitchFamily="65" charset="-120"/>
+              </a:rPr>
+              <a:t>CHAS</a:t>
+            </a:r>
+            <a:r>
+              <a:rPr lang="zh-TW" altLang="en-US" sz="1800" b="0" i="0" u="none" strike="noStrike" dirty="0">
+                <a:solidFill>
+                  <a:srgbClr val="3D3D3D"/>
+                </a:solidFill>
+                <a:effectLst/>
+                <a:latin typeface="標楷體" panose="03000509000000000000" pitchFamily="65" charset="-120"/>
+                <a:ea typeface="標楷體" panose="03000509000000000000" pitchFamily="65" charset="-120"/>
+              </a:rPr>
+              <a:t>：查理斯河空變量（如果邊界是河流，則爲</a:t>
+            </a:r>
+            <a:r>
+              <a:rPr lang="en-US" altLang="zh-TW" sz="1800" b="0" i="0" u="none" strike="noStrike" dirty="0">
+                <a:solidFill>
+                  <a:srgbClr val="3D3D3D"/>
+                </a:solidFill>
+                <a:effectLst/>
+                <a:latin typeface="標楷體" panose="03000509000000000000" pitchFamily="65" charset="-120"/>
+                <a:ea typeface="標楷體" panose="03000509000000000000" pitchFamily="65" charset="-120"/>
+              </a:rPr>
+              <a:t>1</a:t>
+            </a:r>
+            <a:r>
+              <a:rPr lang="zh-TW" altLang="en-US" sz="1800" b="0" i="0" u="none" strike="noStrike" dirty="0">
+                <a:solidFill>
+                  <a:srgbClr val="3D3D3D"/>
+                </a:solidFill>
+                <a:effectLst/>
+                <a:latin typeface="標楷體" panose="03000509000000000000" pitchFamily="65" charset="-120"/>
+                <a:ea typeface="標楷體" panose="03000509000000000000" pitchFamily="65" charset="-120"/>
+              </a:rPr>
+              <a:t>；否則爲</a:t>
+            </a:r>
+            <a:r>
+              <a:rPr lang="en-US" altLang="zh-TW" sz="1800" b="0" i="0" u="none" strike="noStrike" dirty="0">
+                <a:solidFill>
+                  <a:srgbClr val="3D3D3D"/>
+                </a:solidFill>
+                <a:effectLst/>
+                <a:latin typeface="標楷體" panose="03000509000000000000" pitchFamily="65" charset="-120"/>
+                <a:ea typeface="標楷體" panose="03000509000000000000" pitchFamily="65" charset="-120"/>
+              </a:rPr>
+              <a:t>0</a:t>
+            </a:r>
+            <a:r>
+              <a:rPr lang="zh-TW" altLang="en-US" sz="1800" b="0" i="0" u="none" strike="noStrike" dirty="0">
+                <a:solidFill>
+                  <a:srgbClr val="3D3D3D"/>
+                </a:solidFill>
+                <a:effectLst/>
+                <a:latin typeface="標楷體" panose="03000509000000000000" pitchFamily="65" charset="-120"/>
+                <a:ea typeface="標楷體" panose="03000509000000000000" pitchFamily="65" charset="-120"/>
+              </a:rPr>
+              <a:t>）。</a:t>
+            </a:r>
+            <a:endParaRPr lang="zh-TW" altLang="en-US" b="0" dirty="0">
+              <a:effectLst/>
+              <a:latin typeface="標楷體" panose="03000509000000000000" pitchFamily="65" charset="-120"/>
+              <a:ea typeface="標楷體" panose="03000509000000000000" pitchFamily="65" charset="-120"/>
+            </a:endParaRPr>
+          </a:p>
+          <a:p>
+            <a:pPr rtl="0">
+              <a:spcBef>
+                <a:spcPts val="600"/>
+              </a:spcBef>
+              <a:spcAft>
+                <a:spcPts val="0"/>
+              </a:spcAft>
+            </a:pPr>
+            <a:r>
+              <a:rPr lang="en-US" altLang="zh-TW" sz="1800" b="0" i="0" u="none" strike="noStrike" dirty="0">
+                <a:solidFill>
+                  <a:srgbClr val="3D3D3D"/>
+                </a:solidFill>
+                <a:effectLst/>
+                <a:latin typeface="標楷體" panose="03000509000000000000" pitchFamily="65" charset="-120"/>
+                <a:ea typeface="標楷體" panose="03000509000000000000" pitchFamily="65" charset="-120"/>
+              </a:rPr>
+              <a:t>NOX</a:t>
+            </a:r>
+            <a:r>
+              <a:rPr lang="zh-TW" altLang="en-US" sz="1800" b="0" i="0" u="none" strike="noStrike" dirty="0">
+                <a:solidFill>
+                  <a:srgbClr val="3D3D3D"/>
+                </a:solidFill>
+                <a:effectLst/>
+                <a:latin typeface="標楷體" panose="03000509000000000000" pitchFamily="65" charset="-120"/>
+                <a:ea typeface="標楷體" panose="03000509000000000000" pitchFamily="65" charset="-120"/>
+              </a:rPr>
+              <a:t>：一氧化氮濃度。</a:t>
+            </a:r>
+            <a:endParaRPr lang="zh-TW" altLang="en-US" b="0" dirty="0">
+              <a:effectLst/>
+              <a:latin typeface="標楷體" panose="03000509000000000000" pitchFamily="65" charset="-120"/>
+              <a:ea typeface="標楷體" panose="03000509000000000000" pitchFamily="65" charset="-120"/>
+            </a:endParaRPr>
+          </a:p>
+          <a:p>
+            <a:pPr rtl="0">
+              <a:spcBef>
+                <a:spcPts val="600"/>
+              </a:spcBef>
+              <a:spcAft>
+                <a:spcPts val="0"/>
+              </a:spcAft>
+            </a:pPr>
+            <a:r>
+              <a:rPr lang="en-US" altLang="zh-TW" sz="1800" b="0" i="0" u="none" strike="noStrike" dirty="0">
+                <a:solidFill>
+                  <a:srgbClr val="3D3D3D"/>
+                </a:solidFill>
+                <a:effectLst/>
+                <a:latin typeface="標楷體" panose="03000509000000000000" pitchFamily="65" charset="-120"/>
+                <a:ea typeface="標楷體" panose="03000509000000000000" pitchFamily="65" charset="-120"/>
+              </a:rPr>
+              <a:t>RM</a:t>
+            </a:r>
+            <a:r>
+              <a:rPr lang="zh-TW" altLang="en-US" sz="1800" b="0" i="0" u="none" strike="noStrike" dirty="0">
+                <a:solidFill>
+                  <a:srgbClr val="3D3D3D"/>
+                </a:solidFill>
+                <a:effectLst/>
+                <a:latin typeface="標楷體" panose="03000509000000000000" pitchFamily="65" charset="-120"/>
+                <a:ea typeface="標楷體" panose="03000509000000000000" pitchFamily="65" charset="-120"/>
+              </a:rPr>
+              <a:t>：住宅平均房間數。</a:t>
+            </a:r>
+            <a:endParaRPr lang="en-US" altLang="zh-TW" sz="1800" b="0" i="0" u="none" strike="noStrike" dirty="0">
+              <a:solidFill>
+                <a:srgbClr val="3D3D3D"/>
+              </a:solidFill>
+              <a:effectLst/>
+              <a:latin typeface="標楷體" panose="03000509000000000000" pitchFamily="65" charset="-120"/>
+              <a:ea typeface="標楷體" panose="03000509000000000000" pitchFamily="65" charset="-120"/>
+            </a:endParaRPr>
+          </a:p>
+          <a:p>
+            <a:pPr rtl="0">
+              <a:spcBef>
+                <a:spcPts val="600"/>
+              </a:spcBef>
+              <a:spcAft>
+                <a:spcPts val="0"/>
+              </a:spcAft>
+            </a:pPr>
+            <a:r>
+              <a:rPr lang="en-US" altLang="zh-TW" sz="1800" b="0" i="0" u="none" strike="noStrike" dirty="0">
+                <a:solidFill>
+                  <a:srgbClr val="3D3D3D"/>
+                </a:solidFill>
+                <a:effectLst/>
+                <a:latin typeface="標楷體" panose="03000509000000000000" pitchFamily="65" charset="-120"/>
+                <a:ea typeface="標楷體" panose="03000509000000000000" pitchFamily="65" charset="-120"/>
+              </a:rPr>
+              <a:t>AGE</a:t>
+            </a:r>
+            <a:r>
+              <a:rPr lang="zh-TW" altLang="en-US" sz="1800" b="0" i="0" u="none" strike="noStrike" dirty="0">
+                <a:solidFill>
+                  <a:srgbClr val="3D3D3D"/>
+                </a:solidFill>
+                <a:effectLst/>
+                <a:latin typeface="標楷體" panose="03000509000000000000" pitchFamily="65" charset="-120"/>
+                <a:ea typeface="標楷體" panose="03000509000000000000" pitchFamily="65" charset="-120"/>
+              </a:rPr>
+              <a:t>：</a:t>
+            </a:r>
+            <a:r>
+              <a:rPr lang="en-US" altLang="zh-TW" sz="1800" b="0" i="0" u="none" strike="noStrike" dirty="0">
+                <a:solidFill>
+                  <a:srgbClr val="3D3D3D"/>
+                </a:solidFill>
+                <a:effectLst/>
+                <a:latin typeface="標楷體" panose="03000509000000000000" pitchFamily="65" charset="-120"/>
+                <a:ea typeface="標楷體" panose="03000509000000000000" pitchFamily="65" charset="-120"/>
+              </a:rPr>
+              <a:t>1940 </a:t>
+            </a:r>
+            <a:r>
+              <a:rPr lang="zh-TW" altLang="en-US" sz="1800" b="0" i="0" u="none" strike="noStrike" dirty="0">
+                <a:solidFill>
+                  <a:srgbClr val="3D3D3D"/>
+                </a:solidFill>
+                <a:effectLst/>
+                <a:latin typeface="標楷體" panose="03000509000000000000" pitchFamily="65" charset="-120"/>
+                <a:ea typeface="標楷體" panose="03000509000000000000" pitchFamily="65" charset="-120"/>
+              </a:rPr>
+              <a:t>年之前建成的自用房屋比例。</a:t>
+            </a:r>
+            <a:endParaRPr lang="zh-TW" altLang="en-US" b="0" dirty="0">
+              <a:effectLst/>
+              <a:latin typeface="標楷體" panose="03000509000000000000" pitchFamily="65" charset="-120"/>
+              <a:ea typeface="標楷體" panose="03000509000000000000" pitchFamily="65" charset="-120"/>
+            </a:endParaRPr>
+          </a:p>
+          <a:p>
+            <a:pPr rtl="0">
+              <a:spcBef>
+                <a:spcPts val="600"/>
+              </a:spcBef>
+              <a:spcAft>
+                <a:spcPts val="0"/>
+              </a:spcAft>
+            </a:pPr>
+            <a:r>
+              <a:rPr lang="en-US" altLang="zh-TW" sz="1800" b="0" i="0" u="none" strike="noStrike" dirty="0">
+                <a:solidFill>
+                  <a:srgbClr val="3D3D3D"/>
+                </a:solidFill>
+                <a:effectLst/>
+                <a:latin typeface="標楷體" panose="03000509000000000000" pitchFamily="65" charset="-120"/>
+                <a:ea typeface="標楷體" panose="03000509000000000000" pitchFamily="65" charset="-120"/>
+              </a:rPr>
+              <a:t>DIS</a:t>
+            </a:r>
+            <a:r>
+              <a:rPr lang="zh-TW" altLang="en-US" sz="1800" b="0" i="0" u="none" strike="noStrike" dirty="0">
+                <a:solidFill>
+                  <a:srgbClr val="3D3D3D"/>
+                </a:solidFill>
+                <a:effectLst/>
+                <a:latin typeface="標楷體" panose="03000509000000000000" pitchFamily="65" charset="-120"/>
+                <a:ea typeface="標楷體" panose="03000509000000000000" pitchFamily="65" charset="-120"/>
+              </a:rPr>
+              <a:t>：到波士頓五個中心區域的加權距離。</a:t>
+            </a:r>
+            <a:endParaRPr lang="zh-TW" altLang="en-US" b="0" dirty="0">
+              <a:effectLst/>
+              <a:latin typeface="標楷體" panose="03000509000000000000" pitchFamily="65" charset="-120"/>
+              <a:ea typeface="標楷體" panose="03000509000000000000" pitchFamily="65" charset="-120"/>
+            </a:endParaRPr>
+          </a:p>
+          <a:p>
+            <a:pPr rtl="0">
+              <a:spcBef>
+                <a:spcPts val="600"/>
+              </a:spcBef>
+              <a:spcAft>
+                <a:spcPts val="0"/>
+              </a:spcAft>
+            </a:pPr>
+            <a:r>
+              <a:rPr lang="en-US" altLang="zh-TW" sz="1800" b="0" i="0" u="none" strike="noStrike" dirty="0">
+                <a:solidFill>
+                  <a:srgbClr val="3D3D3D"/>
+                </a:solidFill>
+                <a:effectLst/>
+                <a:latin typeface="標楷體" panose="03000509000000000000" pitchFamily="65" charset="-120"/>
+                <a:ea typeface="標楷體" panose="03000509000000000000" pitchFamily="65" charset="-120"/>
+              </a:rPr>
+              <a:t>RAD</a:t>
+            </a:r>
+            <a:r>
+              <a:rPr lang="zh-TW" altLang="en-US" sz="1800" b="0" i="0" u="none" strike="noStrike" dirty="0">
+                <a:solidFill>
+                  <a:srgbClr val="3D3D3D"/>
+                </a:solidFill>
+                <a:effectLst/>
+                <a:latin typeface="標楷體" panose="03000509000000000000" pitchFamily="65" charset="-120"/>
+                <a:ea typeface="標楷體" panose="03000509000000000000" pitchFamily="65" charset="-120"/>
+              </a:rPr>
+              <a:t>：輻射性公路的接近指數。</a:t>
+            </a:r>
+            <a:endParaRPr lang="zh-TW" altLang="en-US" b="0" dirty="0">
+              <a:effectLst/>
+              <a:latin typeface="標楷體" panose="03000509000000000000" pitchFamily="65" charset="-120"/>
+              <a:ea typeface="標楷體" panose="03000509000000000000" pitchFamily="65" charset="-120"/>
+            </a:endParaRPr>
+          </a:p>
+          <a:p>
+            <a:pPr rtl="0">
+              <a:spcBef>
+                <a:spcPts val="600"/>
+              </a:spcBef>
+              <a:spcAft>
+                <a:spcPts val="0"/>
+              </a:spcAft>
+            </a:pPr>
+            <a:r>
+              <a:rPr lang="en-US" altLang="zh-TW" sz="1800" b="0" i="0" u="none" strike="noStrike" dirty="0">
+                <a:solidFill>
+                  <a:srgbClr val="3D3D3D"/>
+                </a:solidFill>
+                <a:effectLst/>
+                <a:latin typeface="標楷體" panose="03000509000000000000" pitchFamily="65" charset="-120"/>
+                <a:ea typeface="標楷體" panose="03000509000000000000" pitchFamily="65" charset="-120"/>
+              </a:rPr>
+              <a:t>TAX</a:t>
+            </a:r>
+            <a:r>
+              <a:rPr lang="zh-TW" altLang="en-US" sz="1800" b="0" i="0" u="none" strike="noStrike" dirty="0">
+                <a:solidFill>
+                  <a:srgbClr val="3D3D3D"/>
+                </a:solidFill>
+                <a:effectLst/>
+                <a:latin typeface="標楷體" panose="03000509000000000000" pitchFamily="65" charset="-120"/>
+                <a:ea typeface="標楷體" panose="03000509000000000000" pitchFamily="65" charset="-120"/>
+              </a:rPr>
+              <a:t>：每 </a:t>
+            </a:r>
+            <a:r>
+              <a:rPr lang="en-US" altLang="zh-TW" sz="1800" b="0" i="0" u="none" strike="noStrike" dirty="0">
+                <a:solidFill>
+                  <a:srgbClr val="3D3D3D"/>
+                </a:solidFill>
+                <a:effectLst/>
+                <a:latin typeface="標楷體" panose="03000509000000000000" pitchFamily="65" charset="-120"/>
+                <a:ea typeface="標楷體" panose="03000509000000000000" pitchFamily="65" charset="-120"/>
+              </a:rPr>
+              <a:t>10000 </a:t>
+            </a:r>
+            <a:r>
+              <a:rPr lang="zh-TW" altLang="en-US" sz="1800" b="0" i="0" u="none" strike="noStrike" dirty="0">
+                <a:solidFill>
+                  <a:srgbClr val="3D3D3D"/>
+                </a:solidFill>
+                <a:effectLst/>
+                <a:latin typeface="標楷體" panose="03000509000000000000" pitchFamily="65" charset="-120"/>
+                <a:ea typeface="標楷體" panose="03000509000000000000" pitchFamily="65" charset="-120"/>
+              </a:rPr>
+              <a:t>美元的全值財產稅率。</a:t>
+            </a:r>
+            <a:endParaRPr lang="zh-TW" altLang="en-US" b="0" dirty="0">
+              <a:effectLst/>
+              <a:latin typeface="標楷體" panose="03000509000000000000" pitchFamily="65" charset="-120"/>
+              <a:ea typeface="標楷體" panose="03000509000000000000" pitchFamily="65" charset="-120"/>
+            </a:endParaRPr>
+          </a:p>
+          <a:p>
+            <a:pPr rtl="0">
+              <a:spcBef>
+                <a:spcPts val="600"/>
+              </a:spcBef>
+              <a:spcAft>
+                <a:spcPts val="0"/>
+              </a:spcAft>
+            </a:pPr>
+            <a:r>
+              <a:rPr lang="en-US" altLang="zh-TW" sz="1800" b="0" i="0" u="none" strike="noStrike" dirty="0">
+                <a:solidFill>
+                  <a:srgbClr val="3D3D3D"/>
+                </a:solidFill>
+                <a:effectLst/>
+                <a:latin typeface="標楷體" panose="03000509000000000000" pitchFamily="65" charset="-120"/>
+                <a:ea typeface="標楷體" panose="03000509000000000000" pitchFamily="65" charset="-120"/>
+              </a:rPr>
+              <a:t>PTRATIO</a:t>
+            </a:r>
+            <a:r>
+              <a:rPr lang="zh-TW" altLang="en-US" sz="1800" b="0" i="0" u="none" strike="noStrike" dirty="0">
+                <a:solidFill>
+                  <a:srgbClr val="3D3D3D"/>
+                </a:solidFill>
+                <a:effectLst/>
+                <a:latin typeface="標楷體" panose="03000509000000000000" pitchFamily="65" charset="-120"/>
+                <a:ea typeface="標楷體" panose="03000509000000000000" pitchFamily="65" charset="-120"/>
+              </a:rPr>
+              <a:t>：城鎮師生比例。</a:t>
+            </a:r>
+            <a:endParaRPr lang="zh-TW" altLang="en-US" b="0" dirty="0">
+              <a:effectLst/>
+              <a:latin typeface="標楷體" panose="03000509000000000000" pitchFamily="65" charset="-120"/>
+              <a:ea typeface="標楷體" panose="03000509000000000000" pitchFamily="65" charset="-120"/>
+            </a:endParaRPr>
+          </a:p>
+          <a:p>
+            <a:pPr rtl="0">
+              <a:spcBef>
+                <a:spcPts val="600"/>
+              </a:spcBef>
+              <a:spcAft>
+                <a:spcPts val="0"/>
+              </a:spcAft>
+            </a:pPr>
+            <a:r>
+              <a:rPr lang="en-US" altLang="zh-TW" sz="1800" b="0" i="0" u="none" strike="noStrike" dirty="0">
+                <a:solidFill>
+                  <a:srgbClr val="3D3D3D"/>
+                </a:solidFill>
+                <a:effectLst/>
+                <a:latin typeface="標楷體" panose="03000509000000000000" pitchFamily="65" charset="-120"/>
+                <a:ea typeface="標楷體" panose="03000509000000000000" pitchFamily="65" charset="-120"/>
+              </a:rPr>
+              <a:t>B</a:t>
+            </a:r>
+            <a:r>
+              <a:rPr lang="zh-TW" altLang="en-US" sz="1800" b="0" i="0" u="none" strike="noStrike" dirty="0">
+                <a:solidFill>
+                  <a:srgbClr val="3D3D3D"/>
+                </a:solidFill>
+                <a:effectLst/>
+                <a:latin typeface="標楷體" panose="03000509000000000000" pitchFamily="65" charset="-120"/>
+                <a:ea typeface="標楷體" panose="03000509000000000000" pitchFamily="65" charset="-120"/>
+              </a:rPr>
+              <a:t>：</a:t>
+            </a:r>
+            <a:r>
+              <a:rPr lang="en-US" altLang="zh-TW" sz="1800" b="0" i="0" u="none" strike="noStrike" dirty="0">
+                <a:solidFill>
+                  <a:srgbClr val="3D3D3D"/>
+                </a:solidFill>
+                <a:effectLst/>
+                <a:latin typeface="標楷體" panose="03000509000000000000" pitchFamily="65" charset="-120"/>
+                <a:ea typeface="標楷體" panose="03000509000000000000" pitchFamily="65" charset="-120"/>
+              </a:rPr>
+              <a:t>1000</a:t>
+            </a:r>
+            <a:r>
+              <a:rPr lang="zh-TW" altLang="en-US" sz="1800" b="0" i="0" u="none" strike="noStrike" dirty="0">
+                <a:solidFill>
+                  <a:srgbClr val="3D3D3D"/>
+                </a:solidFill>
+                <a:effectLst/>
+                <a:latin typeface="標楷體" panose="03000509000000000000" pitchFamily="65" charset="-120"/>
+                <a:ea typeface="標楷體" panose="03000509000000000000" pitchFamily="65" charset="-120"/>
+              </a:rPr>
+              <a:t>（</a:t>
+            </a:r>
+            <a:r>
+              <a:rPr lang="en-US" altLang="zh-TW" sz="1800" b="0" i="0" u="none" strike="noStrike" dirty="0">
+                <a:solidFill>
+                  <a:srgbClr val="3D3D3D"/>
+                </a:solidFill>
+                <a:effectLst/>
+                <a:latin typeface="標楷體" panose="03000509000000000000" pitchFamily="65" charset="-120"/>
+                <a:ea typeface="標楷體" panose="03000509000000000000" pitchFamily="65" charset="-120"/>
+              </a:rPr>
+              <a:t>Bk-0.63</a:t>
+            </a:r>
+            <a:r>
+              <a:rPr lang="zh-TW" altLang="en-US" sz="1800" b="0" i="0" u="none" strike="noStrike" dirty="0">
+                <a:solidFill>
+                  <a:srgbClr val="3D3D3D"/>
+                </a:solidFill>
+                <a:effectLst/>
+                <a:latin typeface="標楷體" panose="03000509000000000000" pitchFamily="65" charset="-120"/>
+                <a:ea typeface="標楷體" panose="03000509000000000000" pitchFamily="65" charset="-120"/>
+              </a:rPr>
+              <a:t>）</a:t>
+            </a:r>
+            <a:r>
+              <a:rPr lang="en-US" altLang="zh-TW" sz="1800" b="0" i="0" u="none" strike="noStrike" dirty="0">
+                <a:solidFill>
+                  <a:srgbClr val="3D3D3D"/>
+                </a:solidFill>
+                <a:effectLst/>
+                <a:latin typeface="標楷體" panose="03000509000000000000" pitchFamily="65" charset="-120"/>
+                <a:ea typeface="標楷體" panose="03000509000000000000" pitchFamily="65" charset="-120"/>
+              </a:rPr>
+              <a:t>^ 2</a:t>
+            </a:r>
+            <a:r>
+              <a:rPr lang="zh-TW" altLang="en-US" sz="1800" b="0" i="0" u="none" strike="noStrike" dirty="0">
+                <a:solidFill>
+                  <a:srgbClr val="3D3D3D"/>
+                </a:solidFill>
+                <a:effectLst/>
+                <a:latin typeface="標楷體" panose="03000509000000000000" pitchFamily="65" charset="-120"/>
+                <a:ea typeface="標楷體" panose="03000509000000000000" pitchFamily="65" charset="-120"/>
+              </a:rPr>
+              <a:t>，其中 </a:t>
+            </a:r>
+            <a:r>
+              <a:rPr lang="en-US" altLang="zh-TW" sz="1800" b="0" i="0" u="none" strike="noStrike" dirty="0">
+                <a:solidFill>
+                  <a:srgbClr val="3D3D3D"/>
+                </a:solidFill>
+                <a:effectLst/>
+                <a:latin typeface="標楷體" panose="03000509000000000000" pitchFamily="65" charset="-120"/>
+                <a:ea typeface="標楷體" panose="03000509000000000000" pitchFamily="65" charset="-120"/>
+              </a:rPr>
+              <a:t>Bk </a:t>
+            </a:r>
+            <a:r>
+              <a:rPr lang="zh-TW" altLang="en-US" sz="1800" b="0" i="0" u="none" strike="noStrike" dirty="0">
+                <a:solidFill>
+                  <a:srgbClr val="3D3D3D"/>
+                </a:solidFill>
+                <a:effectLst/>
+                <a:latin typeface="標楷體" panose="03000509000000000000" pitchFamily="65" charset="-120"/>
+                <a:ea typeface="標楷體" panose="03000509000000000000" pitchFamily="65" charset="-120"/>
+              </a:rPr>
+              <a:t>指代城鎮中黑人的比例。</a:t>
+            </a:r>
+            <a:endParaRPr lang="zh-TW" altLang="en-US" b="0" dirty="0">
+              <a:effectLst/>
+              <a:latin typeface="標楷體" panose="03000509000000000000" pitchFamily="65" charset="-120"/>
+              <a:ea typeface="標楷體" panose="03000509000000000000" pitchFamily="65" charset="-120"/>
+            </a:endParaRPr>
+          </a:p>
+          <a:p>
+            <a:pPr rtl="0">
+              <a:spcBef>
+                <a:spcPts val="600"/>
+              </a:spcBef>
+              <a:spcAft>
+                <a:spcPts val="0"/>
+              </a:spcAft>
+            </a:pPr>
+            <a:r>
+              <a:rPr lang="en-US" altLang="zh-TW" sz="1800" b="0" i="0" u="none" strike="noStrike" dirty="0">
+                <a:solidFill>
+                  <a:srgbClr val="3D3D3D"/>
+                </a:solidFill>
+                <a:effectLst/>
+                <a:latin typeface="標楷體" panose="03000509000000000000" pitchFamily="65" charset="-120"/>
+                <a:ea typeface="標楷體" panose="03000509000000000000" pitchFamily="65" charset="-120"/>
+              </a:rPr>
+              <a:t>LSTAT</a:t>
+            </a:r>
+            <a:r>
+              <a:rPr lang="zh-TW" altLang="en-US" sz="1800" b="0" i="0" u="none" strike="noStrike" dirty="0">
+                <a:solidFill>
+                  <a:srgbClr val="3D3D3D"/>
+                </a:solidFill>
+                <a:effectLst/>
+                <a:latin typeface="標楷體" panose="03000509000000000000" pitchFamily="65" charset="-120"/>
+                <a:ea typeface="標楷體" panose="03000509000000000000" pitchFamily="65" charset="-120"/>
+              </a:rPr>
+              <a:t>：人口中地位低下者的比例。</a:t>
+            </a:r>
+            <a:endParaRPr lang="zh-TW" altLang="en-US" b="0" dirty="0">
+              <a:effectLst/>
+              <a:latin typeface="標楷體" panose="03000509000000000000" pitchFamily="65" charset="-120"/>
+              <a:ea typeface="標楷體" panose="03000509000000000000" pitchFamily="65" charset="-120"/>
+            </a:endParaRPr>
+          </a:p>
+          <a:p>
+            <a:pPr rtl="0">
+              <a:spcBef>
+                <a:spcPts val="600"/>
+              </a:spcBef>
+              <a:spcAft>
+                <a:spcPts val="0"/>
+              </a:spcAft>
+            </a:pPr>
+            <a:r>
+              <a:rPr lang="en-US" altLang="zh-TW" sz="1800" b="0" i="0" u="none" strike="noStrike" dirty="0">
+                <a:solidFill>
+                  <a:srgbClr val="3D3D3D"/>
+                </a:solidFill>
+                <a:effectLst/>
+                <a:latin typeface="標楷體" panose="03000509000000000000" pitchFamily="65" charset="-120"/>
+                <a:ea typeface="標楷體" panose="03000509000000000000" pitchFamily="65" charset="-120"/>
+              </a:rPr>
+              <a:t>MEDV</a:t>
+            </a:r>
+            <a:r>
+              <a:rPr lang="zh-TW" altLang="en-US" sz="1800" b="0" i="0" u="none" strike="noStrike" dirty="0">
+                <a:solidFill>
+                  <a:srgbClr val="3D3D3D"/>
+                </a:solidFill>
+                <a:effectLst/>
+                <a:latin typeface="標楷體" panose="03000509000000000000" pitchFamily="65" charset="-120"/>
+                <a:ea typeface="標楷體" panose="03000509000000000000" pitchFamily="65" charset="-120"/>
+              </a:rPr>
+              <a:t>：自住房的平均房價，以千美元計。</a:t>
+            </a:r>
+            <a:endParaRPr lang="zh-TW" altLang="en-US" b="0" dirty="0">
+              <a:effectLst/>
+              <a:latin typeface="標楷體" panose="03000509000000000000" pitchFamily="65" charset="-120"/>
+              <a:ea typeface="標楷體" panose="03000509000000000000" pitchFamily="65" charset="-120"/>
+            </a:endParaRPr>
+          </a:p>
+          <a:p>
+            <a:endParaRPr lang="zh-TW" altLang="en-US" dirty="0"/>
           </a:p>
         </p:txBody>
       </p:sp>
